--- a/instrucciones/INTRUCTIONS.pptx
+++ b/instrucciones/INTRUCTIONS.pptx
@@ -3862,7 +3862,7 @@
         </p:spPr>
         <p:txBody>
           <a:bodyPr vert="horz" lIns="91440" tIns="45720" rIns="91440" bIns="45720" rtlCol="0">
-            <a:normAutofit fontScale="92500" lnSpcReduction="10000"/>
+            <a:normAutofit fontScale="85000" lnSpcReduction="20000"/>
           </a:bodyPr>
           <a:lstStyle>
             <a:lvl1pPr marL="0" indent="0" algn="ctr" defTabSz="685800" rtl="0" eaLnBrk="1" latinLnBrk="0" hangingPunct="1">
@@ -4058,7 +4058,7 @@
                 <a:latin typeface="Consolas" panose="020B0609020204030204" pitchFamily="49" charset="0"/>
                 <a:ea typeface="Artifakt Element Book" panose="020B0503050000020004" pitchFamily="34" charset="0"/>
               </a:rPr>
-              <a:t>Tu mayor enemigo, te disparará e intentara acabar contigo. Intenta devolvérsela pero cuidado, es muy escurridizo.</a:t>
+              <a:t>Tu mayor enemigo, se mueve por la pantalla creando el caos. Intenta acabar con él por un botín de puntos pero cuidado, es muy escurridizo.</a:t>
             </a:r>
           </a:p>
           <a:p>
@@ -4751,7 +4751,7 @@
         </p:blipFill>
         <p:spPr>
           <a:xfrm rot="5400000">
-            <a:off x="3711831" y="6457199"/>
+            <a:off x="3713756" y="6588588"/>
             <a:ext cx="507712" cy="565820"/>
           </a:xfrm>
           <a:prstGeom prst="rect">
